--- a/docs/songs/christ is enough.pptx
+++ b/docs/songs/christ is enough.pptx
@@ -5,14 +5,16 @@
     <p:sldMasterId id="2147483648" r:id="rId1"/>
   </p:sldMasterIdLst>
   <p:notesMasterIdLst>
-    <p:notesMasterId r:id="rId7"/>
+    <p:notesMasterId r:id="rId9"/>
   </p:notesMasterIdLst>
   <p:sldIdLst>
     <p:sldId id="610" r:id="rId2"/>
     <p:sldId id="1025" r:id="rId3"/>
-    <p:sldId id="482" r:id="rId4"/>
+    <p:sldId id="1298" r:id="rId4"/>
     <p:sldId id="611" r:id="rId5"/>
-    <p:sldId id="1030" r:id="rId6"/>
+    <p:sldId id="1299" r:id="rId6"/>
+    <p:sldId id="1030" r:id="rId7"/>
+    <p:sldId id="1300" r:id="rId8"/>
   </p:sldIdLst>
   <p:sldSz cx="9144000" cy="6858000" type="screen4x3"/>
   <p:notesSz cx="6858000" cy="9144000"/>
@@ -212,7 +214,7 @@
           <a:p>
             <a:fld id="{C57EAEFC-A9C7-464E-BE3F-33D4DD72E122}" type="datetimeFigureOut">
               <a:rPr lang="en-GB" smtClean="0"/>
-              <a:t>25/09/2023</a:t>
+              <a:t>29/11/2024</a:t>
             </a:fld>
             <a:endParaRPr lang="en-GB"/>
           </a:p>
@@ -662,7 +664,7 @@
             <a:fld id="{26EA1CF3-4A15-4CBF-9A5A-6A56C368BE71}" type="datetimeFigureOut">
               <a:rPr lang="en-GB" smtClean="0"/>
               <a:pPr/>
-              <a:t>25/09/2023</a:t>
+              <a:t>29/11/2024</a:t>
             </a:fld>
             <a:endParaRPr lang="en-GB"/>
           </a:p>
@@ -829,7 +831,7 @@
             <a:fld id="{26EA1CF3-4A15-4CBF-9A5A-6A56C368BE71}" type="datetimeFigureOut">
               <a:rPr lang="en-GB" smtClean="0"/>
               <a:pPr/>
-              <a:t>25/09/2023</a:t>
+              <a:t>29/11/2024</a:t>
             </a:fld>
             <a:endParaRPr lang="en-GB"/>
           </a:p>
@@ -1006,7 +1008,7 @@
             <a:fld id="{26EA1CF3-4A15-4CBF-9A5A-6A56C368BE71}" type="datetimeFigureOut">
               <a:rPr lang="en-GB" smtClean="0"/>
               <a:pPr/>
-              <a:t>25/09/2023</a:t>
+              <a:t>29/11/2024</a:t>
             </a:fld>
             <a:endParaRPr lang="en-GB"/>
           </a:p>
@@ -1173,7 +1175,7 @@
             <a:fld id="{26EA1CF3-4A15-4CBF-9A5A-6A56C368BE71}" type="datetimeFigureOut">
               <a:rPr lang="en-GB" smtClean="0"/>
               <a:pPr/>
-              <a:t>25/09/2023</a:t>
+              <a:t>29/11/2024</a:t>
             </a:fld>
             <a:endParaRPr lang="en-GB"/>
           </a:p>
@@ -1416,7 +1418,7 @@
             <a:fld id="{26EA1CF3-4A15-4CBF-9A5A-6A56C368BE71}" type="datetimeFigureOut">
               <a:rPr lang="en-GB" smtClean="0"/>
               <a:pPr/>
-              <a:t>25/09/2023</a:t>
+              <a:t>29/11/2024</a:t>
             </a:fld>
             <a:endParaRPr lang="en-GB"/>
           </a:p>
@@ -1701,7 +1703,7 @@
             <a:fld id="{26EA1CF3-4A15-4CBF-9A5A-6A56C368BE71}" type="datetimeFigureOut">
               <a:rPr lang="en-GB" smtClean="0"/>
               <a:pPr/>
-              <a:t>25/09/2023</a:t>
+              <a:t>29/11/2024</a:t>
             </a:fld>
             <a:endParaRPr lang="en-GB"/>
           </a:p>
@@ -2120,7 +2122,7 @@
             <a:fld id="{26EA1CF3-4A15-4CBF-9A5A-6A56C368BE71}" type="datetimeFigureOut">
               <a:rPr lang="en-GB" smtClean="0"/>
               <a:pPr/>
-              <a:t>25/09/2023</a:t>
+              <a:t>29/11/2024</a:t>
             </a:fld>
             <a:endParaRPr lang="en-GB"/>
           </a:p>
@@ -2235,7 +2237,7 @@
             <a:fld id="{26EA1CF3-4A15-4CBF-9A5A-6A56C368BE71}" type="datetimeFigureOut">
               <a:rPr lang="en-GB" smtClean="0"/>
               <a:pPr/>
-              <a:t>25/09/2023</a:t>
+              <a:t>29/11/2024</a:t>
             </a:fld>
             <a:endParaRPr lang="en-GB"/>
           </a:p>
@@ -2327,7 +2329,7 @@
             <a:fld id="{26EA1CF3-4A15-4CBF-9A5A-6A56C368BE71}" type="datetimeFigureOut">
               <a:rPr lang="en-GB" smtClean="0"/>
               <a:pPr/>
-              <a:t>25/09/2023</a:t>
+              <a:t>29/11/2024</a:t>
             </a:fld>
             <a:endParaRPr lang="en-GB"/>
           </a:p>
@@ -2601,7 +2603,7 @@
             <a:fld id="{26EA1CF3-4A15-4CBF-9A5A-6A56C368BE71}" type="datetimeFigureOut">
               <a:rPr lang="en-GB" smtClean="0"/>
               <a:pPr/>
-              <a:t>25/09/2023</a:t>
+              <a:t>29/11/2024</a:t>
             </a:fld>
             <a:endParaRPr lang="en-GB"/>
           </a:p>
@@ -2851,7 +2853,7 @@
             <a:fld id="{26EA1CF3-4A15-4CBF-9A5A-6A56C368BE71}" type="datetimeFigureOut">
               <a:rPr lang="en-GB" smtClean="0"/>
               <a:pPr/>
-              <a:t>25/09/2023</a:t>
+              <a:t>29/11/2024</a:t>
             </a:fld>
             <a:endParaRPr lang="en-GB"/>
           </a:p>
@@ -3060,7 +3062,7 @@
             <a:fld id="{26EA1CF3-4A15-4CBF-9A5A-6A56C368BE71}" type="datetimeFigureOut">
               <a:rPr lang="en-GB" smtClean="0"/>
               <a:pPr/>
-              <a:t>25/09/2023</a:t>
+              <a:t>29/11/2024</a:t>
             </a:fld>
             <a:endParaRPr lang="en-GB"/>
           </a:p>
@@ -3834,7 +3836,7 @@
                   <a:schemeClr val="bg1"/>
                 </a:solidFill>
               </a:rPr>
-              <a:t>1/4</a:t>
+              <a:t>1/6</a:t>
             </a:r>
           </a:p>
         </p:txBody>
@@ -3960,7 +3962,7 @@
                   <a:schemeClr val="bg1"/>
                 </a:solidFill>
               </a:rPr>
-              <a:t>2/4</a:t>
+              <a:t>2/6</a:t>
             </a:r>
           </a:p>
         </p:txBody>
@@ -4096,7 +4098,7 @@
                   <a:schemeClr val="bg1"/>
                 </a:solidFill>
               </a:rPr>
-              <a:t>3/4</a:t>
+              <a:t>3/6</a:t>
             </a:r>
           </a:p>
         </p:txBody>
@@ -4119,6 +4121,150 @@
   <p:cSld>
     <p:spTree>
       <p:nvGrpSpPr>
+        <p:cNvPr id="1" name="">
+          <a:extLst>
+            <a:ext uri="{FF2B5EF4-FFF2-40B4-BE49-F238E27FC236}">
+              <a16:creationId xmlns:a16="http://schemas.microsoft.com/office/drawing/2014/main" id="{24D1AC17-E0C2-C69C-68E8-97DDDD707645}"/>
+            </a:ext>
+          </a:extLst>
+        </p:cNvPr>
+        <p:cNvGrpSpPr/>
+        <p:nvPr/>
+      </p:nvGrpSpPr>
+      <p:grpSpPr>
+        <a:xfrm>
+          <a:off x="0" y="0"/>
+          <a:ext cx="0" cy="0"/>
+          <a:chOff x="0" y="0"/>
+          <a:chExt cx="0" cy="0"/>
+        </a:xfrm>
+      </p:grpSpPr>
+      <p:sp>
+        <p:nvSpPr>
+          <p:cNvPr id="3" name="Subtitle 2">
+            <a:extLst>
+              <a:ext uri="{FF2B5EF4-FFF2-40B4-BE49-F238E27FC236}">
+                <a16:creationId xmlns:a16="http://schemas.microsoft.com/office/drawing/2014/main" id="{0ED6EC1E-E82B-2F23-B197-9B4AB0582C63}"/>
+              </a:ext>
+            </a:extLst>
+          </p:cNvPr>
+          <p:cNvSpPr>
+            <a:spLocks noGrp="1"/>
+          </p:cNvSpPr>
+          <p:nvPr>
+            <p:ph type="subTitle" idx="1"/>
+          </p:nvPr>
+        </p:nvSpPr>
+        <p:spPr>
+          <a:xfrm>
+            <a:off x="251520" y="908720"/>
+            <a:ext cx="8640960" cy="6480720"/>
+          </a:xfrm>
+        </p:spPr>
+        <p:txBody>
+          <a:bodyPr>
+            <a:noAutofit/>
+          </a:bodyPr>
+          <a:lstStyle/>
+          <a:p>
+            <a:r>
+              <a:rPr lang="en-GB" sz="4000" dirty="0">
+                <a:solidFill>
+                  <a:schemeClr val="bg1"/>
+                </a:solidFill>
+              </a:rPr>
+              <a:t>Christ is enough for me</a:t>
+            </a:r>
+          </a:p>
+          <a:p>
+            <a:r>
+              <a:rPr lang="en-GB" sz="4000" dirty="0">
+                <a:solidFill>
+                  <a:schemeClr val="bg1"/>
+                </a:solidFill>
+              </a:rPr>
+              <a:t>Christ is enough for me</a:t>
+            </a:r>
+          </a:p>
+          <a:p>
+            <a:r>
+              <a:rPr lang="en-GB" sz="4000" dirty="0">
+                <a:solidFill>
+                  <a:schemeClr val="bg1"/>
+                </a:solidFill>
+              </a:rPr>
+              <a:t>Everything I need is in You</a:t>
+            </a:r>
+          </a:p>
+          <a:p>
+            <a:r>
+              <a:rPr lang="en-GB" sz="4000" dirty="0">
+                <a:solidFill>
+                  <a:schemeClr val="bg1"/>
+                </a:solidFill>
+              </a:rPr>
+              <a:t>Everything I need</a:t>
+            </a:r>
+          </a:p>
+        </p:txBody>
+      </p:sp>
+      <p:sp>
+        <p:nvSpPr>
+          <p:cNvPr id="4" name="TextBox 3">
+            <a:extLst>
+              <a:ext uri="{FF2B5EF4-FFF2-40B4-BE49-F238E27FC236}">
+                <a16:creationId xmlns:a16="http://schemas.microsoft.com/office/drawing/2014/main" id="{12A92C75-7E50-5207-3A75-6CF2EEBBB4A0}"/>
+              </a:ext>
+            </a:extLst>
+          </p:cNvPr>
+          <p:cNvSpPr txBox="1"/>
+          <p:nvPr/>
+        </p:nvSpPr>
+        <p:spPr>
+          <a:xfrm>
+            <a:off x="8529729" y="0"/>
+            <a:ext cx="628698" cy="461665"/>
+          </a:xfrm>
+          <a:prstGeom prst="rect">
+            <a:avLst/>
+          </a:prstGeom>
+          <a:noFill/>
+        </p:spPr>
+        <p:txBody>
+          <a:bodyPr wrap="none" rtlCol="0">
+            <a:spAutoFit/>
+          </a:bodyPr>
+          <a:lstStyle/>
+          <a:p>
+            <a:r>
+              <a:rPr lang="en-GB" sz="2400" b="1" dirty="0">
+                <a:solidFill>
+                  <a:schemeClr val="bg1"/>
+                </a:solidFill>
+              </a:rPr>
+              <a:t>4/6</a:t>
+            </a:r>
+          </a:p>
+        </p:txBody>
+      </p:sp>
+    </p:spTree>
+    <p:extLst>
+      <p:ext uri="{BB962C8B-B14F-4D97-AF65-F5344CB8AC3E}">
+        <p14:creationId xmlns:p14="http://schemas.microsoft.com/office/powerpoint/2010/main" val="902928820"/>
+      </p:ext>
+    </p:extLst>
+  </p:cSld>
+  <p:clrMapOvr>
+    <a:masterClrMapping/>
+  </p:clrMapOvr>
+</p:sld>
+</file>
+
+<file path=ppt/slides/slide6.xml><?xml version="1.0" encoding="utf-8"?>
+<p:sld xmlns:a="http://schemas.openxmlformats.org/drawingml/2006/main" xmlns:r="http://schemas.openxmlformats.org/officeDocument/2006/relationships" xmlns:p="http://schemas.openxmlformats.org/presentationml/2006/main">
+  <p:cSld>
+    <p:spTree>
+      <p:nvGrpSpPr>
         <p:cNvPr id="1" name=""/>
         <p:cNvGrpSpPr/>
         <p:nvPr/>
@@ -4241,7 +4387,7 @@
                   <a:schemeClr val="bg1"/>
                 </a:solidFill>
               </a:rPr>
-              <a:t>4/4</a:t>
+              <a:t>5/6</a:t>
             </a:r>
           </a:p>
         </p:txBody>
@@ -4250,6 +4396,150 @@
     <p:extLst>
       <p:ext uri="{BB962C8B-B14F-4D97-AF65-F5344CB8AC3E}">
         <p14:creationId xmlns:p14="http://schemas.microsoft.com/office/powerpoint/2010/main" val="98258928"/>
+      </p:ext>
+    </p:extLst>
+  </p:cSld>
+  <p:clrMapOvr>
+    <a:masterClrMapping/>
+  </p:clrMapOvr>
+</p:sld>
+</file>
+
+<file path=ppt/slides/slide7.xml><?xml version="1.0" encoding="utf-8"?>
+<p:sld xmlns:a="http://schemas.openxmlformats.org/drawingml/2006/main" xmlns:r="http://schemas.openxmlformats.org/officeDocument/2006/relationships" xmlns:p="http://schemas.openxmlformats.org/presentationml/2006/main">
+  <p:cSld>
+    <p:spTree>
+      <p:nvGrpSpPr>
+        <p:cNvPr id="1" name="">
+          <a:extLst>
+            <a:ext uri="{FF2B5EF4-FFF2-40B4-BE49-F238E27FC236}">
+              <a16:creationId xmlns:a16="http://schemas.microsoft.com/office/drawing/2014/main" id="{43D3EAD3-2378-8003-327E-BE191CBCA74C}"/>
+            </a:ext>
+          </a:extLst>
+        </p:cNvPr>
+        <p:cNvGrpSpPr/>
+        <p:nvPr/>
+      </p:nvGrpSpPr>
+      <p:grpSpPr>
+        <a:xfrm>
+          <a:off x="0" y="0"/>
+          <a:ext cx="0" cy="0"/>
+          <a:chOff x="0" y="0"/>
+          <a:chExt cx="0" cy="0"/>
+        </a:xfrm>
+      </p:grpSpPr>
+      <p:sp>
+        <p:nvSpPr>
+          <p:cNvPr id="3" name="Subtitle 2">
+            <a:extLst>
+              <a:ext uri="{FF2B5EF4-FFF2-40B4-BE49-F238E27FC236}">
+                <a16:creationId xmlns:a16="http://schemas.microsoft.com/office/drawing/2014/main" id="{6821BA0E-E5AD-D347-8EE8-8324DA9261AB}"/>
+              </a:ext>
+            </a:extLst>
+          </p:cNvPr>
+          <p:cNvSpPr>
+            <a:spLocks noGrp="1"/>
+          </p:cNvSpPr>
+          <p:nvPr>
+            <p:ph type="subTitle" idx="1"/>
+          </p:nvPr>
+        </p:nvSpPr>
+        <p:spPr>
+          <a:xfrm>
+            <a:off x="251520" y="908720"/>
+            <a:ext cx="8640960" cy="6480720"/>
+          </a:xfrm>
+        </p:spPr>
+        <p:txBody>
+          <a:bodyPr>
+            <a:noAutofit/>
+          </a:bodyPr>
+          <a:lstStyle/>
+          <a:p>
+            <a:r>
+              <a:rPr lang="en-GB" sz="4000" dirty="0">
+                <a:solidFill>
+                  <a:schemeClr val="bg1"/>
+                </a:solidFill>
+              </a:rPr>
+              <a:t>Christ is enough for me</a:t>
+            </a:r>
+          </a:p>
+          <a:p>
+            <a:r>
+              <a:rPr lang="en-GB" sz="4000" dirty="0">
+                <a:solidFill>
+                  <a:schemeClr val="bg1"/>
+                </a:solidFill>
+              </a:rPr>
+              <a:t>Christ is enough for me</a:t>
+            </a:r>
+          </a:p>
+          <a:p>
+            <a:r>
+              <a:rPr lang="en-GB" sz="4000" dirty="0">
+                <a:solidFill>
+                  <a:schemeClr val="bg1"/>
+                </a:solidFill>
+              </a:rPr>
+              <a:t>Everything I need is in You</a:t>
+            </a:r>
+          </a:p>
+          <a:p>
+            <a:r>
+              <a:rPr lang="en-GB" sz="4000" dirty="0">
+                <a:solidFill>
+                  <a:schemeClr val="bg1"/>
+                </a:solidFill>
+              </a:rPr>
+              <a:t>Everything I need</a:t>
+            </a:r>
+          </a:p>
+        </p:txBody>
+      </p:sp>
+      <p:sp>
+        <p:nvSpPr>
+          <p:cNvPr id="4" name="TextBox 3">
+            <a:extLst>
+              <a:ext uri="{FF2B5EF4-FFF2-40B4-BE49-F238E27FC236}">
+                <a16:creationId xmlns:a16="http://schemas.microsoft.com/office/drawing/2014/main" id="{5CE7D28C-A96D-0FCF-28AD-CC7158B3736A}"/>
+              </a:ext>
+            </a:extLst>
+          </p:cNvPr>
+          <p:cNvSpPr txBox="1"/>
+          <p:nvPr/>
+        </p:nvSpPr>
+        <p:spPr>
+          <a:xfrm>
+            <a:off x="8529729" y="0"/>
+            <a:ext cx="628698" cy="461665"/>
+          </a:xfrm>
+          <a:prstGeom prst="rect">
+            <a:avLst/>
+          </a:prstGeom>
+          <a:noFill/>
+        </p:spPr>
+        <p:txBody>
+          <a:bodyPr wrap="none" rtlCol="0">
+            <a:spAutoFit/>
+          </a:bodyPr>
+          <a:lstStyle/>
+          <a:p>
+            <a:r>
+              <a:rPr lang="en-GB" sz="2400" b="1" dirty="0">
+                <a:solidFill>
+                  <a:schemeClr val="bg1"/>
+                </a:solidFill>
+              </a:rPr>
+              <a:t>6/6</a:t>
+            </a:r>
+          </a:p>
+        </p:txBody>
+      </p:sp>
+    </p:spTree>
+    <p:extLst>
+      <p:ext uri="{BB962C8B-B14F-4D97-AF65-F5344CB8AC3E}">
+        <p14:creationId xmlns:p14="http://schemas.microsoft.com/office/powerpoint/2010/main" val="1620817283"/>
       </p:ext>
     </p:extLst>
   </p:cSld>
